--- a/AICTE PPT Template (1).pptx
+++ b/AICTE PPT Template (1).pptx
@@ -5084,6 +5084,10 @@
               <a:rPr lang="en-US" sz="2000" dirty="0" err="1"/>
               <a:t>numpy</a:t>
             </a:r>
+            <a:r>
+              <a:rPr lang="en-US" sz="2000"/>
+              <a:t> , string</a:t>
+            </a:r>
             <a:endParaRPr lang="en-US" sz="2000" dirty="0"/>
           </a:p>
           <a:p>
@@ -5238,6 +5242,20 @@
                 </a:solidFill>
               </a:rPr>
               <a:t> code.</a:t>
+            </a:r>
+          </a:p>
+          <a:p>
+            <a:pPr>
+              <a:buFont typeface="Wingdings" panose="05000000000000000000" pitchFamily="2" charset="2"/>
+              <a:buChar char="q"/>
+            </a:pPr>
+            <a:r>
+              <a:rPr lang="en-US" sz="2000" dirty="0">
+                <a:solidFill>
+                  <a:srgbClr val="0F0F0F"/>
+                </a:solidFill>
+              </a:rPr>
+              <a:t>AES</a:t>
             </a:r>
             <a:endParaRPr lang="en-IN" sz="2000" dirty="0">
               <a:solidFill>
@@ -5647,9 +5665,12 @@
               <a:buChar char="q"/>
             </a:pPr>
             <a:r>
-              <a:rPr lang="en-IN" sz="2000" dirty="0"/>
+              <a:rPr lang="en-IN" sz="2000" dirty="0">
+                <a:hlinkClick r:id="rId2"/>
+              </a:rPr>
               <a:t>https://github.com/Jpoddar26/stegano_proj.git</a:t>
             </a:r>
+            <a:endParaRPr lang="en-IN" sz="2000" dirty="0"/>
           </a:p>
         </p:txBody>
       </p:sp>

--- a/AICTE PPT Template (1).pptx
+++ b/AICTE PPT Template (1).pptx
@@ -218,7 +218,7 @@
           <a:p>
             <a:fld id="{46256A78-79A6-408F-8148-4F87BB81602D}" type="datetimeFigureOut">
               <a:rPr lang="en-IN" smtClean="0"/>
-              <a:t>26-02-2025</a:t>
+              <a:t>27-02-2025</a:t>
             </a:fld>
             <a:endParaRPr lang="en-IN"/>
           </a:p>
@@ -722,7 +722,7 @@
           <a:p>
             <a:fld id="{ED291B17-9318-49DB-B28B-6E5994AE9581}" type="datetime1">
               <a:rPr lang="en-US" smtClean="0"/>
-              <a:t>2/26/2025</a:t>
+              <a:t>2/27/2025</a:t>
             </a:fld>
             <a:endParaRPr lang="en-US"/>
           </a:p>
@@ -931,7 +931,7 @@
           <a:p>
             <a:fld id="{2CED4963-E985-44C4-B8C4-FDD613B7C2F8}" type="datetime1">
               <a:rPr lang="en-US" smtClean="0"/>
-              <a:t>2/26/2025</a:t>
+              <a:t>2/27/2025</a:t>
             </a:fld>
             <a:endParaRPr lang="en-US"/>
           </a:p>
@@ -1299,7 +1299,7 @@
           <a:p>
             <a:fld id="{ED291B17-9318-49DB-B28B-6E5994AE9581}" type="datetime1">
               <a:rPr lang="en-US" smtClean="0"/>
-              <a:t>2/26/2025</a:t>
+              <a:t>2/27/2025</a:t>
             </a:fld>
             <a:endParaRPr lang="en-US"/>
           </a:p>
@@ -1503,7 +1503,7 @@
           <a:p>
             <a:fld id="{78DD82B9-B8EE-4375-B6FF-88FA6ABB15D9}" type="datetime1">
               <a:rPr lang="en-US" smtClean="0"/>
-              <a:t>2/26/2025</a:t>
+              <a:t>2/27/2025</a:t>
             </a:fld>
             <a:endParaRPr lang="en-US"/>
           </a:p>
@@ -1760,7 +1760,7 @@
           <a:p>
             <a:fld id="{B2497495-0637-405E-AE64-5CC7506D51F5}" type="datetime1">
               <a:rPr lang="en-US" smtClean="0"/>
-              <a:t>2/26/2025</a:t>
+              <a:t>2/27/2025</a:t>
             </a:fld>
             <a:endParaRPr lang="en-US"/>
           </a:p>
@@ -2018,7 +2018,7 @@
           <a:p>
             <a:fld id="{7BFFD690-9426-415D-8B65-26881E07B2D4}" type="datetime1">
               <a:rPr lang="en-US" smtClean="0"/>
-              <a:t>2/26/2025</a:t>
+              <a:t>2/27/2025</a:t>
             </a:fld>
             <a:endParaRPr lang="en-US"/>
           </a:p>
@@ -2445,7 +2445,7 @@
           <a:p>
             <a:fld id="{04C4989A-474C-40DE-95B9-011C28B71673}" type="datetime1">
               <a:rPr lang="en-US" smtClean="0"/>
-              <a:t>2/26/2025</a:t>
+              <a:t>2/27/2025</a:t>
             </a:fld>
             <a:endParaRPr lang="en-US"/>
           </a:p>
@@ -2575,7 +2575,7 @@
           <a:p>
             <a:fld id="{5DB4ED54-5B5E-4A04-93D3-5772E3CE3818}" type="datetime1">
               <a:rPr lang="en-US" smtClean="0"/>
-              <a:t>2/26/2025</a:t>
+              <a:t>2/27/2025</a:t>
             </a:fld>
             <a:endParaRPr lang="en-US"/>
           </a:p>
@@ -2678,7 +2678,7 @@
           <a:p>
             <a:fld id="{4EDE50D6-574B-40AF-946F-D52A04ADE379}" type="datetime1">
               <a:rPr lang="en-US" smtClean="0"/>
-              <a:t>2/26/2025</a:t>
+              <a:t>2/27/2025</a:t>
             </a:fld>
             <a:endParaRPr lang="en-US"/>
           </a:p>
@@ -3061,7 +3061,7 @@
           <a:p>
             <a:fld id="{D82884F1-FFEA-405F-9602-3DCA865EDA4E}" type="datetime1">
               <a:rPr lang="en-US" smtClean="0"/>
-              <a:t>2/26/2025</a:t>
+              <a:t>2/27/2025</a:t>
             </a:fld>
             <a:endParaRPr lang="en-US"/>
           </a:p>
@@ -3355,7 +3355,7 @@
           <a:p>
             <a:fld id="{7E18DB4A-8810-4A10-AD5C-D5E2C667F5B3}" type="datetime1">
               <a:rPr lang="en-US" smtClean="0"/>
-              <a:t>2/26/2025</a:t>
+              <a:t>2/27/2025</a:t>
             </a:fld>
             <a:endParaRPr lang="en-US"/>
           </a:p>
@@ -3576,7 +3576,7 @@
           <a:p>
             <a:fld id="{ED291B17-9318-49DB-B28B-6E5994AE9581}" type="datetime1">
               <a:rPr lang="en-US" smtClean="0"/>
-              <a:t>2/26/2025</a:t>
+              <a:t>2/27/2025</a:t>
             </a:fld>
             <a:endParaRPr lang="en-US"/>
           </a:p>
@@ -4915,42 +4915,116 @@
           </a:p>
         </p:txBody>
       </p:sp>
-      <p:sp>
-        <p:nvSpPr>
-          <p:cNvPr id="2" name="Content Placeholder 1">
+      <p:pic>
+        <p:nvPicPr>
+          <p:cNvPr id="3" name="Content Placeholder 4">
             <a:extLst>
               <a:ext uri="{FF2B5EF4-FFF2-40B4-BE49-F238E27FC236}">
-                <a16:creationId xmlns:a16="http://schemas.microsoft.com/office/drawing/2014/main" id="{8FEE4A9C-3F57-7DA7-91FD-715C3FB47F93}"/>
+                <a16:creationId xmlns:a16="http://schemas.microsoft.com/office/drawing/2014/main" id="{AE2B5757-8106-629A-1089-0877D52C7A44}"/>
               </a:ext>
             </a:extLst>
           </p:cNvPr>
-          <p:cNvSpPr>
-            <a:spLocks noGrp="1"/>
-          </p:cNvSpPr>
-          <p:nvPr>
-            <p:ph idx="1"/>
-          </p:nvPr>
-        </p:nvSpPr>
-        <p:spPr>
-          <a:xfrm>
-            <a:off x="452403" y="1237632"/>
-            <a:ext cx="11029615" cy="4673324"/>
-          </a:xfrm>
-        </p:spPr>
-        <p:txBody>
-          <a:bodyPr>
-            <a:normAutofit/>
+          <p:cNvPicPr>
+            <a:picLocks noChangeAspect="1"/>
+          </p:cNvPicPr>
+          <p:nvPr/>
+        </p:nvPicPr>
+        <p:blipFill>
+          <a:blip r:embed="rId2"/>
+          <a:stretch>
+            <a:fillRect/>
+          </a:stretch>
+        </p:blipFill>
+        <p:spPr>
+          <a:xfrm>
+            <a:off x="6605152" y="1232452"/>
+            <a:ext cx="4710548" cy="5073098"/>
+          </a:xfrm>
+          <a:prstGeom prst="rect">
+            <a:avLst/>
+          </a:prstGeom>
+        </p:spPr>
+      </p:pic>
+      <p:sp>
+        <p:nvSpPr>
+          <p:cNvPr id="4" name="TextBox 3">
+            <a:extLst>
+              <a:ext uri="{FF2B5EF4-FFF2-40B4-BE49-F238E27FC236}">
+                <a16:creationId xmlns:a16="http://schemas.microsoft.com/office/drawing/2014/main" id="{21AFE732-6172-B722-A8EB-F0B2FE66E9E5}"/>
+              </a:ext>
+            </a:extLst>
+          </p:cNvPr>
+          <p:cNvSpPr txBox="1"/>
+          <p:nvPr/>
+        </p:nvSpPr>
+        <p:spPr>
+          <a:xfrm>
+            <a:off x="528202" y="1943100"/>
+            <a:ext cx="4710548" cy="3416320"/>
+          </a:xfrm>
+          <a:prstGeom prst="rect">
+            <a:avLst/>
+          </a:prstGeom>
+          <a:noFill/>
+        </p:spPr>
+        <p:txBody>
+          <a:bodyPr wrap="square" rtlCol="0">
+            <a:spAutoFit/>
           </a:bodyPr>
           <a:lstStyle/>
           <a:p>
-            <a:pPr marL="0" indent="0">
-              <a:buNone/>
+            <a:pPr marL="342900" indent="-342900">
+              <a:buFont typeface="Wingdings" panose="05000000000000000000" pitchFamily="2" charset="2"/>
+              <a:buChar char="q"/>
             </a:pPr>
             <a:r>
-              <a:rPr lang="en-US" sz="2000" dirty="0"/>
-              <a:t>Faced problem in libraries and execution.</a:t>
-            </a:r>
-            <a:endParaRPr lang="en-IN" sz="2000" dirty="0"/>
+              <a:rPr lang="en-US" sz="2400" dirty="0">
+                <a:latin typeface="Calibri" panose="020F0502020204030204" pitchFamily="34" charset="0"/>
+                <a:ea typeface="Calibri" panose="020F0502020204030204" pitchFamily="34" charset="0"/>
+                <a:cs typeface="Calibri" panose="020F0502020204030204" pitchFamily="34" charset="0"/>
+              </a:rPr>
+              <a:t>At the time of execution I faced the problem of the library cv2 module not found.</a:t>
+            </a:r>
+          </a:p>
+          <a:p>
+            <a:pPr marL="342900" indent="-342900">
+              <a:buFont typeface="Wingdings" panose="05000000000000000000" pitchFamily="2" charset="2"/>
+              <a:buChar char="q"/>
+            </a:pPr>
+            <a:endParaRPr lang="en-US" sz="2400" dirty="0">
+              <a:latin typeface="Calibri" panose="020F0502020204030204" pitchFamily="34" charset="0"/>
+              <a:ea typeface="Calibri" panose="020F0502020204030204" pitchFamily="34" charset="0"/>
+              <a:cs typeface="Calibri" panose="020F0502020204030204" pitchFamily="34" charset="0"/>
+            </a:endParaRPr>
+          </a:p>
+          <a:p>
+            <a:pPr marL="342900" indent="-342900">
+              <a:buFont typeface="Wingdings" panose="05000000000000000000" pitchFamily="2" charset="2"/>
+              <a:buChar char="q"/>
+            </a:pPr>
+            <a:r>
+              <a:rPr lang="en-US" sz="2400" dirty="0">
+                <a:latin typeface="Calibri" panose="020F0502020204030204" pitchFamily="34" charset="0"/>
+                <a:ea typeface="Calibri" panose="020F0502020204030204" pitchFamily="34" charset="0"/>
+                <a:cs typeface="Calibri" panose="020F0502020204030204" pitchFamily="34" charset="0"/>
+              </a:rPr>
+              <a:t>And while executing the code I also faced the issue of image which was not supporting with the python code.</a:t>
+            </a:r>
+          </a:p>
+          <a:p>
+            <a:r>
+              <a:rPr lang="en-US" sz="2400" dirty="0">
+                <a:latin typeface="Calibri" panose="020F0502020204030204" pitchFamily="34" charset="0"/>
+                <a:ea typeface="Calibri" panose="020F0502020204030204" pitchFamily="34" charset="0"/>
+                <a:cs typeface="Calibri" panose="020F0502020204030204" pitchFamily="34" charset="0"/>
+              </a:rPr>
+              <a:t>  </a:t>
+            </a:r>
+            <a:endParaRPr lang="en-IN" sz="2400" dirty="0">
+              <a:latin typeface="Calibri" panose="020F0502020204030204" pitchFamily="34" charset="0"/>
+              <a:ea typeface="Calibri" panose="020F0502020204030204" pitchFamily="34" charset="0"/>
+              <a:cs typeface="Calibri" panose="020F0502020204030204" pitchFamily="34" charset="0"/>
+            </a:endParaRPr>
           </a:p>
         </p:txBody>
       </p:sp>
@@ -5054,14 +5128,26 @@
               <a:buChar char="q"/>
             </a:pPr>
             <a:r>
-              <a:rPr lang="en-US" sz="2000" dirty="0"/>
+              <a:rPr lang="en-US" sz="2400" dirty="0">
+                <a:latin typeface="Calibri" panose="020F0502020204030204" pitchFamily="34" charset="0"/>
+                <a:ea typeface="Calibri" panose="020F0502020204030204" pitchFamily="34" charset="0"/>
+                <a:cs typeface="Calibri" panose="020F0502020204030204" pitchFamily="34" charset="0"/>
+              </a:rPr>
               <a:t>Technology Used: Python , </a:t>
             </a:r>
             <a:r>
-              <a:rPr lang="en-US" sz="2000" dirty="0" err="1"/>
+              <a:rPr lang="en-US" sz="2400" dirty="0" err="1">
+                <a:latin typeface="Calibri" panose="020F0502020204030204" pitchFamily="34" charset="0"/>
+                <a:ea typeface="Calibri" panose="020F0502020204030204" pitchFamily="34" charset="0"/>
+                <a:cs typeface="Calibri" panose="020F0502020204030204" pitchFamily="34" charset="0"/>
+              </a:rPr>
               <a:t>Cmd</a:t>
             </a:r>
-            <a:endParaRPr lang="en-US" sz="2000" dirty="0"/>
+            <a:endParaRPr lang="en-US" sz="2400" dirty="0">
+              <a:latin typeface="Calibri" panose="020F0502020204030204" pitchFamily="34" charset="0"/>
+              <a:ea typeface="Calibri" panose="020F0502020204030204" pitchFamily="34" charset="0"/>
+              <a:cs typeface="Calibri" panose="020F0502020204030204" pitchFamily="34" charset="0"/>
+            </a:endParaRPr>
           </a:p>
           <a:p>
             <a:pPr>
@@ -5069,26 +5155,45 @@
               <a:buChar char="q"/>
             </a:pPr>
             <a:r>
-              <a:rPr lang="en-US" sz="2000" dirty="0"/>
+              <a:rPr lang="en-US" sz="2400" dirty="0">
+                <a:latin typeface="Calibri" panose="020F0502020204030204" pitchFamily="34" charset="0"/>
+                <a:ea typeface="Calibri" panose="020F0502020204030204" pitchFamily="34" charset="0"/>
+                <a:cs typeface="Calibri" panose="020F0502020204030204" pitchFamily="34" charset="0"/>
+              </a:rPr>
               <a:t>Libraries :   cv2, </a:t>
             </a:r>
             <a:r>
-              <a:rPr lang="en-US" sz="2000" dirty="0" err="1"/>
+              <a:rPr lang="en-US" sz="2400" dirty="0" err="1">
+                <a:latin typeface="Calibri" panose="020F0502020204030204" pitchFamily="34" charset="0"/>
+                <a:ea typeface="Calibri" panose="020F0502020204030204" pitchFamily="34" charset="0"/>
+                <a:cs typeface="Calibri" panose="020F0502020204030204" pitchFamily="34" charset="0"/>
+              </a:rPr>
               <a:t>os</a:t>
             </a:r>
             <a:r>
-              <a:rPr lang="en-US" sz="2000" dirty="0"/>
+              <a:rPr lang="en-US" sz="2400" dirty="0">
+                <a:latin typeface="Calibri" panose="020F0502020204030204" pitchFamily="34" charset="0"/>
+                <a:ea typeface="Calibri" panose="020F0502020204030204" pitchFamily="34" charset="0"/>
+                <a:cs typeface="Calibri" panose="020F0502020204030204" pitchFamily="34" charset="0"/>
+              </a:rPr>
               <a:t> module , </a:t>
             </a:r>
             <a:r>
-              <a:rPr lang="en-US" sz="2000" dirty="0" err="1"/>
+              <a:rPr lang="en-US" sz="2400" dirty="0" err="1">
+                <a:latin typeface="Calibri" panose="020F0502020204030204" pitchFamily="34" charset="0"/>
+                <a:ea typeface="Calibri" panose="020F0502020204030204" pitchFamily="34" charset="0"/>
+                <a:cs typeface="Calibri" panose="020F0502020204030204" pitchFamily="34" charset="0"/>
+              </a:rPr>
               <a:t>numpy</a:t>
             </a:r>
             <a:r>
-              <a:rPr lang="en-US" sz="2000"/>
+              <a:rPr lang="en-US" sz="2400" dirty="0">
+                <a:latin typeface="Calibri" panose="020F0502020204030204" pitchFamily="34" charset="0"/>
+                <a:ea typeface="Calibri" panose="020F0502020204030204" pitchFamily="34" charset="0"/>
+                <a:cs typeface="Calibri" panose="020F0502020204030204" pitchFamily="34" charset="0"/>
+              </a:rPr>
               <a:t> , string</a:t>
             </a:r>
-            <a:endParaRPr lang="en-US" sz="2000" dirty="0"/>
           </a:p>
           <a:p>
             <a:pPr>
@@ -5096,7 +5201,11 @@
               <a:buChar char="q"/>
             </a:pPr>
             <a:r>
-              <a:rPr lang="en-US" sz="2000" dirty="0"/>
+              <a:rPr lang="en-US" sz="2400" dirty="0">
+                <a:latin typeface="Calibri" panose="020F0502020204030204" pitchFamily="34" charset="0"/>
+                <a:ea typeface="Calibri" panose="020F0502020204030204" pitchFamily="34" charset="0"/>
+                <a:cs typeface="Calibri" panose="020F0502020204030204" pitchFamily="34" charset="0"/>
+              </a:rPr>
               <a:t>Operating System : Windows 10</a:t>
             </a:r>
           </a:p>
@@ -5106,10 +5215,18 @@
               <a:buChar char="q"/>
             </a:pPr>
             <a:r>
-              <a:rPr lang="en-US" sz="2000" dirty="0"/>
+              <a:rPr lang="en-US" sz="2400" dirty="0">
+                <a:latin typeface="Calibri" panose="020F0502020204030204" pitchFamily="34" charset="0"/>
+                <a:ea typeface="Calibri" panose="020F0502020204030204" pitchFamily="34" charset="0"/>
+                <a:cs typeface="Calibri" panose="020F0502020204030204" pitchFamily="34" charset="0"/>
+              </a:rPr>
               <a:t>Hardware Requirements: Core i3 or higher,(cache- 3MB or 4MB recommended) , Memory(RAM): Minimum 2GB</a:t>
             </a:r>
-            <a:endParaRPr lang="en-IN" sz="2000" dirty="0"/>
+            <a:endParaRPr lang="en-IN" sz="2400" dirty="0">
+              <a:latin typeface="Calibri" panose="020F0502020204030204" pitchFamily="34" charset="0"/>
+              <a:ea typeface="Calibri" panose="020F0502020204030204" pitchFamily="34" charset="0"/>
+              <a:cs typeface="Calibri" panose="020F0502020204030204" pitchFamily="34" charset="0"/>
+            </a:endParaRPr>
           </a:p>
         </p:txBody>
       </p:sp>
@@ -5225,23 +5342,7 @@
                   <a:srgbClr val="0F0F0F"/>
                 </a:solidFill>
               </a:rPr>
-              <a:t>The wow factor of this project is that the code is inside the image which is not visible without the </a:t>
-            </a:r>
-            <a:r>
-              <a:rPr lang="en-US" sz="2000" dirty="0" err="1">
-                <a:solidFill>
-                  <a:srgbClr val="0F0F0F"/>
-                </a:solidFill>
-              </a:rPr>
-              <a:t>secreat</a:t>
-            </a:r>
-            <a:r>
-              <a:rPr lang="en-US" sz="2000" dirty="0">
-                <a:solidFill>
-                  <a:srgbClr val="0F0F0F"/>
-                </a:solidFill>
-              </a:rPr>
-              <a:t> code.</a:t>
+              <a:t>The wow factor of this project is that the code/data is inside the image which is not visible without the secret code.</a:t>
             </a:r>
           </a:p>
           <a:p>
@@ -5329,38 +5430,85 @@
       </p:sp>
       <p:sp>
         <p:nvSpPr>
-          <p:cNvPr id="3" name="Content Placeholder 2">
+          <p:cNvPr id="5" name="TextBox 4">
             <a:extLst>
               <a:ext uri="{FF2B5EF4-FFF2-40B4-BE49-F238E27FC236}">
-                <a16:creationId xmlns:a16="http://schemas.microsoft.com/office/drawing/2014/main" id="{AB679E23-F86A-AFA9-FE9C-7F5A518E8198}"/>
+                <a16:creationId xmlns:a16="http://schemas.microsoft.com/office/drawing/2014/main" id="{A2050C1C-706C-3CA6-9EF4-226183E51639}"/>
               </a:ext>
             </a:extLst>
           </p:cNvPr>
-          <p:cNvSpPr>
-            <a:spLocks noGrp="1"/>
-          </p:cNvSpPr>
-          <p:nvPr>
-            <p:ph idx="1"/>
-          </p:nvPr>
-        </p:nvSpPr>
-        <p:spPr/>
-        <p:txBody>
-          <a:bodyPr>
-            <a:normAutofit/>
+          <p:cNvSpPr txBox="1"/>
+          <p:nvPr/>
+        </p:nvSpPr>
+        <p:spPr>
+          <a:xfrm>
+            <a:off x="581192" y="1752600"/>
+            <a:ext cx="11229808" cy="2308324"/>
+          </a:xfrm>
+          <a:prstGeom prst="rect">
+            <a:avLst/>
+          </a:prstGeom>
+          <a:noFill/>
+        </p:spPr>
+        <p:txBody>
+          <a:bodyPr wrap="square" rtlCol="0">
+            <a:spAutoFit/>
           </a:bodyPr>
           <a:lstStyle/>
           <a:p>
-            <a:pPr marL="0" indent="0">
-              <a:buNone/>
+            <a:pPr marL="342900" indent="-342900">
+              <a:buFont typeface="Wingdings" panose="05000000000000000000" pitchFamily="2" charset="2"/>
+              <a:buChar char="q"/>
             </a:pPr>
             <a:r>
-              <a:rPr lang="en-US" sz="2000" dirty="0"/>
-              <a:t>T</a:t>
-            </a:r>
-            <a:r>
-              <a:rPr lang="en-IN" sz="2000" dirty="0"/>
-              <a:t>he bankers who are using this software Steganography.</a:t>
-            </a:r>
+              <a:rPr lang="en-US" sz="2400" dirty="0">
+                <a:latin typeface="Calibri" panose="020F0502020204030204" pitchFamily="34" charset="0"/>
+                <a:ea typeface="Calibri" panose="020F0502020204030204" pitchFamily="34" charset="0"/>
+                <a:cs typeface="Calibri" panose="020F0502020204030204" pitchFamily="34" charset="0"/>
+              </a:rPr>
+              <a:t>The end users like T</a:t>
+            </a:r>
+            <a:r>
+              <a:rPr lang="en-IN" sz="2400" dirty="0">
+                <a:latin typeface="Calibri" panose="020F0502020204030204" pitchFamily="34" charset="0"/>
+                <a:ea typeface="Calibri" panose="020F0502020204030204" pitchFamily="34" charset="0"/>
+                <a:cs typeface="Calibri" panose="020F0502020204030204" pitchFamily="34" charset="0"/>
+              </a:rPr>
+              <a:t>he Bankers, The government organization like RAW </a:t>
+            </a:r>
+            <a:r>
+              <a:rPr lang="en-US" sz="2400" dirty="0">
+                <a:latin typeface="Calibri" panose="020F0502020204030204" pitchFamily="34" charset="0"/>
+                <a:ea typeface="Calibri" panose="020F0502020204030204" pitchFamily="34" charset="0"/>
+                <a:cs typeface="Calibri" panose="020F0502020204030204" pitchFamily="34" charset="0"/>
+              </a:rPr>
+              <a:t>,The Military personnel, The Ethical hackers, The Forensic Department, and the individuals who need to securely transmit sensitive information discreetly.</a:t>
+            </a:r>
+          </a:p>
+          <a:p>
+            <a:pPr marL="342900" indent="-342900">
+              <a:buFont typeface="Wingdings" panose="05000000000000000000" pitchFamily="2" charset="2"/>
+              <a:buChar char="q"/>
+            </a:pPr>
+            <a:r>
+              <a:rPr lang="en-US" sz="2400" b="0" i="0" dirty="0">
+                <a:effectLst/>
+                <a:latin typeface="Google Sans"/>
+              </a:rPr>
+              <a:t>They utilize the technology to hide secret messages within seemingly normal files like images, audio, or video, making it difficult to detect the hidden data. </a:t>
+            </a:r>
+            <a:endParaRPr lang="en-IN" sz="2400" dirty="0">
+              <a:latin typeface="Calibri" panose="020F0502020204030204" pitchFamily="34" charset="0"/>
+              <a:ea typeface="Calibri" panose="020F0502020204030204" pitchFamily="34" charset="0"/>
+              <a:cs typeface="Calibri" panose="020F0502020204030204" pitchFamily="34" charset="0"/>
+            </a:endParaRPr>
+          </a:p>
+          <a:p>
+            <a:endParaRPr lang="en-IN" sz="2400" dirty="0">
+              <a:latin typeface="Calibri" panose="020F0502020204030204" pitchFamily="34" charset="0"/>
+              <a:ea typeface="Calibri" panose="020F0502020204030204" pitchFamily="34" charset="0"/>
+              <a:cs typeface="Calibri" panose="020F0502020204030204" pitchFamily="34" charset="0"/>
+            </a:endParaRPr>
           </a:p>
         </p:txBody>
       </p:sp>
@@ -5428,19 +5576,17 @@
       </p:sp>
       <p:pic>
         <p:nvPicPr>
-          <p:cNvPr id="5" name="Content Placeholder 4">
+          <p:cNvPr id="7" name="Picture 6">
             <a:extLst>
               <a:ext uri="{FF2B5EF4-FFF2-40B4-BE49-F238E27FC236}">
-                <a16:creationId xmlns:a16="http://schemas.microsoft.com/office/drawing/2014/main" id="{AE2B5757-8106-629A-1089-0877D52C7A44}"/>
+                <a16:creationId xmlns:a16="http://schemas.microsoft.com/office/drawing/2014/main" id="{549197D0-FAA9-C47D-FB40-BDF1F19CE6F5}"/>
               </a:ext>
             </a:extLst>
           </p:cNvPr>
           <p:cNvPicPr>
-            <a:picLocks noGrp="1" noChangeAspect="1"/>
+            <a:picLocks noChangeAspect="1"/>
           </p:cNvPicPr>
-          <p:nvPr>
-            <p:ph idx="1"/>
-          </p:nvPr>
+          <p:nvPr/>
         </p:nvPicPr>
         <p:blipFill>
           <a:blip r:embed="rId2"/>
@@ -5450,17 +5596,20 @@
         </p:blipFill>
         <p:spPr>
           <a:xfrm>
-            <a:off x="5824621" y="1386984"/>
-            <a:ext cx="4467058" cy="2356535"/>
-          </a:xfrm>
+            <a:off x="714542" y="2188444"/>
+            <a:ext cx="2238208" cy="3545606"/>
+          </a:xfrm>
+          <a:prstGeom prst="rect">
+            <a:avLst/>
+          </a:prstGeom>
         </p:spPr>
       </p:pic>
       <p:pic>
         <p:nvPicPr>
-          <p:cNvPr id="7" name="Picture 6">
+          <p:cNvPr id="4" name="Picture 3">
             <a:extLst>
               <a:ext uri="{FF2B5EF4-FFF2-40B4-BE49-F238E27FC236}">
-                <a16:creationId xmlns:a16="http://schemas.microsoft.com/office/drawing/2014/main" id="{549197D0-FAA9-C47D-FB40-BDF1F19CE6F5}"/>
+                <a16:creationId xmlns:a16="http://schemas.microsoft.com/office/drawing/2014/main" id="{078E03DA-E534-B72E-5EE5-2D57724C8C9A}"/>
               </a:ext>
             </a:extLst>
           </p:cNvPr>
@@ -5477,14 +5626,218 @@
         </p:blipFill>
         <p:spPr>
           <a:xfrm>
-            <a:off x="581192" y="1331194"/>
-            <a:ext cx="4629150" cy="4824650"/>
+            <a:off x="3183689" y="2188444"/>
+            <a:ext cx="3217111" cy="3545606"/>
           </a:xfrm>
           <a:prstGeom prst="rect">
             <a:avLst/>
           </a:prstGeom>
         </p:spPr>
       </p:pic>
+      <p:pic>
+        <p:nvPicPr>
+          <p:cNvPr id="10" name="Picture 9">
+            <a:extLst>
+              <a:ext uri="{FF2B5EF4-FFF2-40B4-BE49-F238E27FC236}">
+                <a16:creationId xmlns:a16="http://schemas.microsoft.com/office/drawing/2014/main" id="{8CBD35A4-ABF5-555C-12C9-6FDD96874C5E}"/>
+              </a:ext>
+            </a:extLst>
+          </p:cNvPr>
+          <p:cNvPicPr>
+            <a:picLocks noChangeAspect="1"/>
+          </p:cNvPicPr>
+          <p:nvPr/>
+        </p:nvPicPr>
+        <p:blipFill>
+          <a:blip r:embed="rId4"/>
+          <a:stretch>
+            <a:fillRect/>
+          </a:stretch>
+        </p:blipFill>
+        <p:spPr>
+          <a:xfrm>
+            <a:off x="6631739" y="2188444"/>
+            <a:ext cx="2493211" cy="2057687"/>
+          </a:xfrm>
+          <a:prstGeom prst="rect">
+            <a:avLst/>
+          </a:prstGeom>
+        </p:spPr>
+      </p:pic>
+      <p:pic>
+        <p:nvPicPr>
+          <p:cNvPr id="12" name="Picture 11">
+            <a:extLst>
+              <a:ext uri="{FF2B5EF4-FFF2-40B4-BE49-F238E27FC236}">
+                <a16:creationId xmlns:a16="http://schemas.microsoft.com/office/drawing/2014/main" id="{1C06C825-C7B0-A706-F074-F5628E934B0E}"/>
+              </a:ext>
+            </a:extLst>
+          </p:cNvPr>
+          <p:cNvPicPr>
+            <a:picLocks noChangeAspect="1"/>
+          </p:cNvPicPr>
+          <p:nvPr/>
+        </p:nvPicPr>
+        <p:blipFill>
+          <a:blip r:embed="rId5"/>
+          <a:stretch>
+            <a:fillRect/>
+          </a:stretch>
+        </p:blipFill>
+        <p:spPr>
+          <a:xfrm>
+            <a:off x="9372600" y="2188444"/>
+            <a:ext cx="2238208" cy="3381847"/>
+          </a:xfrm>
+          <a:prstGeom prst="rect">
+            <a:avLst/>
+          </a:prstGeom>
+        </p:spPr>
+      </p:pic>
+      <p:sp>
+        <p:nvSpPr>
+          <p:cNvPr id="13" name="TextBox 12">
+            <a:extLst>
+              <a:ext uri="{FF2B5EF4-FFF2-40B4-BE49-F238E27FC236}">
+                <a16:creationId xmlns:a16="http://schemas.microsoft.com/office/drawing/2014/main" id="{16C269DD-CE3E-74DD-EC5A-99FF21322DAC}"/>
+              </a:ext>
+            </a:extLst>
+          </p:cNvPr>
+          <p:cNvSpPr txBox="1"/>
+          <p:nvPr/>
+        </p:nvSpPr>
+        <p:spPr>
+          <a:xfrm>
+            <a:off x="885992" y="1445300"/>
+            <a:ext cx="1895308" cy="369332"/>
+          </a:xfrm>
+          <a:prstGeom prst="rect">
+            <a:avLst/>
+          </a:prstGeom>
+          <a:noFill/>
+        </p:spPr>
+        <p:txBody>
+          <a:bodyPr wrap="square" rtlCol="0">
+            <a:spAutoFit/>
+          </a:bodyPr>
+          <a:lstStyle/>
+          <a:p>
+            <a:r>
+              <a:rPr lang="en-US" dirty="0"/>
+              <a:t>Code</a:t>
+            </a:r>
+            <a:endParaRPr lang="en-IN" dirty="0"/>
+          </a:p>
+        </p:txBody>
+      </p:sp>
+      <p:sp>
+        <p:nvSpPr>
+          <p:cNvPr id="14" name="TextBox 13">
+            <a:extLst>
+              <a:ext uri="{FF2B5EF4-FFF2-40B4-BE49-F238E27FC236}">
+                <a16:creationId xmlns:a16="http://schemas.microsoft.com/office/drawing/2014/main" id="{DEC41F88-ED24-1FD7-A051-F34B57882E26}"/>
+              </a:ext>
+            </a:extLst>
+          </p:cNvPr>
+          <p:cNvSpPr txBox="1"/>
+          <p:nvPr/>
+        </p:nvSpPr>
+        <p:spPr>
+          <a:xfrm>
+            <a:off x="3324392" y="1470414"/>
+            <a:ext cx="2104858" cy="369332"/>
+          </a:xfrm>
+          <a:prstGeom prst="rect">
+            <a:avLst/>
+          </a:prstGeom>
+          <a:noFill/>
+        </p:spPr>
+        <p:txBody>
+          <a:bodyPr wrap="square" rtlCol="0">
+            <a:spAutoFit/>
+          </a:bodyPr>
+          <a:lstStyle/>
+          <a:p>
+            <a:r>
+              <a:rPr lang="en-US" dirty="0"/>
+              <a:t>Output with image</a:t>
+            </a:r>
+            <a:endParaRPr lang="en-IN" dirty="0"/>
+          </a:p>
+        </p:txBody>
+      </p:sp>
+      <p:sp>
+        <p:nvSpPr>
+          <p:cNvPr id="15" name="TextBox 14">
+            <a:extLst>
+              <a:ext uri="{FF2B5EF4-FFF2-40B4-BE49-F238E27FC236}">
+                <a16:creationId xmlns:a16="http://schemas.microsoft.com/office/drawing/2014/main" id="{21D95CB8-6347-89AE-C8A6-4C4DBD605278}"/>
+              </a:ext>
+            </a:extLst>
+          </p:cNvPr>
+          <p:cNvSpPr txBox="1"/>
+          <p:nvPr/>
+        </p:nvSpPr>
+        <p:spPr>
+          <a:xfrm>
+            <a:off x="6930690" y="1525782"/>
+            <a:ext cx="2156160" cy="646331"/>
+          </a:xfrm>
+          <a:prstGeom prst="rect">
+            <a:avLst/>
+          </a:prstGeom>
+          <a:noFill/>
+        </p:spPr>
+        <p:txBody>
+          <a:bodyPr wrap="square" rtlCol="0">
+            <a:spAutoFit/>
+          </a:bodyPr>
+          <a:lstStyle/>
+          <a:p>
+            <a:r>
+              <a:rPr lang="en-US" dirty="0"/>
+              <a:t>Output with wrong secret code</a:t>
+            </a:r>
+            <a:endParaRPr lang="en-IN" dirty="0"/>
+          </a:p>
+        </p:txBody>
+      </p:sp>
+      <p:sp>
+        <p:nvSpPr>
+          <p:cNvPr id="17" name="TextBox 16">
+            <a:extLst>
+              <a:ext uri="{FF2B5EF4-FFF2-40B4-BE49-F238E27FC236}">
+                <a16:creationId xmlns:a16="http://schemas.microsoft.com/office/drawing/2014/main" id="{1A28E04D-38A5-1592-6492-BFA39FB2EC6B}"/>
+              </a:ext>
+            </a:extLst>
+          </p:cNvPr>
+          <p:cNvSpPr txBox="1"/>
+          <p:nvPr/>
+        </p:nvSpPr>
+        <p:spPr>
+          <a:xfrm>
+            <a:off x="9410700" y="1525782"/>
+            <a:ext cx="2156160" cy="646331"/>
+          </a:xfrm>
+          <a:prstGeom prst="rect">
+            <a:avLst/>
+          </a:prstGeom>
+          <a:noFill/>
+        </p:spPr>
+        <p:txBody>
+          <a:bodyPr wrap="square" rtlCol="0">
+            <a:spAutoFit/>
+          </a:bodyPr>
+          <a:lstStyle/>
+          <a:p>
+            <a:r>
+              <a:rPr lang="en-US" dirty="0"/>
+              <a:t>Output with correct secret code</a:t>
+            </a:r>
+            <a:endParaRPr lang="en-IN" dirty="0"/>
+          </a:p>
+        </p:txBody>
+      </p:sp>
     </p:spTree>
     <p:extLst>
       <p:ext uri="{BB962C8B-B14F-4D97-AF65-F5344CB8AC3E}">
@@ -5563,18 +5916,179 @@
             <p:ph idx="1"/>
           </p:nvPr>
         </p:nvSpPr>
-        <p:spPr/>
-        <p:txBody>
-          <a:bodyPr/>
+        <p:spPr>
+          <a:xfrm>
+            <a:off x="581192" y="1409700"/>
+            <a:ext cx="11029615" cy="5295900"/>
+          </a:xfrm>
+        </p:spPr>
+        <p:txBody>
+          <a:bodyPr>
+            <a:noAutofit/>
+          </a:bodyPr>
           <a:lstStyle/>
           <a:p>
-            <a:r>
-              <a:rPr lang="en-IN" dirty="0"/>
-              <a:t>Conclude your project concerning your problem statement</a:t>
-            </a:r>
-          </a:p>
-        </p:txBody>
-      </p:sp>
+            <a:pPr>
+              <a:buFont typeface="Wingdings" panose="05000000000000000000" pitchFamily="2" charset="2"/>
+              <a:buChar char="q"/>
+            </a:pPr>
+            <a:r>
+              <a:rPr lang="en-US" sz="2400" dirty="0">
+                <a:latin typeface="Calibri" panose="020F0502020204030204" pitchFamily="34" charset="0"/>
+                <a:ea typeface="Calibri" panose="020F0502020204030204" pitchFamily="34" charset="0"/>
+                <a:cs typeface="Calibri" panose="020F0502020204030204" pitchFamily="34" charset="0"/>
+              </a:rPr>
+              <a:t>As discussed earlier in problem statement my conclusion is that…</a:t>
+            </a:r>
+          </a:p>
+          <a:p>
+            <a:pPr>
+              <a:buFont typeface="Wingdings" panose="05000000000000000000" pitchFamily="2" charset="2"/>
+              <a:buChar char="ü"/>
+            </a:pPr>
+            <a:r>
+              <a:rPr lang="en-US" sz="2400" dirty="0">
+                <a:latin typeface="Calibri" panose="020F0502020204030204" pitchFamily="34" charset="0"/>
+                <a:ea typeface="Calibri" panose="020F0502020204030204" pitchFamily="34" charset="0"/>
+                <a:cs typeface="Calibri" panose="020F0502020204030204" pitchFamily="34" charset="0"/>
+              </a:rPr>
+              <a:t>For the library which was not supporting to my idle page of Python I tried using it through command prompt </a:t>
+            </a:r>
+          </a:p>
+          <a:p>
+            <a:endParaRPr lang="en-IN" sz="2400" dirty="0">
+              <a:latin typeface="Calibri" panose="020F0502020204030204" pitchFamily="34" charset="0"/>
+              <a:ea typeface="Calibri" panose="020F0502020204030204" pitchFamily="34" charset="0"/>
+              <a:cs typeface="Calibri" panose="020F0502020204030204" pitchFamily="34" charset="0"/>
+            </a:endParaRPr>
+          </a:p>
+          <a:p>
+            <a:pPr>
+              <a:buFont typeface="Wingdings" panose="05000000000000000000" pitchFamily="2" charset="2"/>
+              <a:buChar char="ü"/>
+            </a:pPr>
+            <a:endParaRPr lang="en-IN" sz="2400" dirty="0">
+              <a:latin typeface="Calibri" panose="020F0502020204030204" pitchFamily="34" charset="0"/>
+              <a:ea typeface="Calibri" panose="020F0502020204030204" pitchFamily="34" charset="0"/>
+              <a:cs typeface="Calibri" panose="020F0502020204030204" pitchFamily="34" charset="0"/>
+            </a:endParaRPr>
+          </a:p>
+          <a:p>
+            <a:pPr>
+              <a:buFont typeface="Wingdings" panose="05000000000000000000" pitchFamily="2" charset="2"/>
+              <a:buChar char="ü"/>
+            </a:pPr>
+            <a:r>
+              <a:rPr lang="en-IN" sz="2400" dirty="0">
+                <a:latin typeface="Calibri" panose="020F0502020204030204" pitchFamily="34" charset="0"/>
+                <a:ea typeface="Calibri" panose="020F0502020204030204" pitchFamily="34" charset="0"/>
+                <a:cs typeface="Calibri" panose="020F0502020204030204" pitchFamily="34" charset="0"/>
+              </a:rPr>
+              <a:t>Also I tried using idle page through command prompt tried to run the code but still faced a lot of errors.</a:t>
+            </a:r>
+          </a:p>
+          <a:p>
+            <a:pPr>
+              <a:buFont typeface="Wingdings" panose="05000000000000000000" pitchFamily="2" charset="2"/>
+              <a:buChar char="ü"/>
+            </a:pPr>
+            <a:r>
+              <a:rPr lang="en-IN" sz="2400" dirty="0">
+                <a:latin typeface="Calibri" panose="020F0502020204030204" pitchFamily="34" charset="0"/>
+                <a:ea typeface="Calibri" panose="020F0502020204030204" pitchFamily="34" charset="0"/>
+                <a:cs typeface="Calibri" panose="020F0502020204030204" pitchFamily="34" charset="0"/>
+              </a:rPr>
+              <a:t>Again I reinstall the python and </a:t>
+            </a:r>
+            <a:r>
+              <a:rPr lang="en-IN" sz="2400" dirty="0" err="1">
+                <a:latin typeface="Calibri" panose="020F0502020204030204" pitchFamily="34" charset="0"/>
+                <a:ea typeface="Calibri" panose="020F0502020204030204" pitchFamily="34" charset="0"/>
+                <a:cs typeface="Calibri" panose="020F0502020204030204" pitchFamily="34" charset="0"/>
+              </a:rPr>
+              <a:t>opencv</a:t>
+            </a:r>
+            <a:r>
+              <a:rPr lang="en-IN" sz="2400" dirty="0">
+                <a:latin typeface="Calibri" panose="020F0502020204030204" pitchFamily="34" charset="0"/>
+                <a:ea typeface="Calibri" panose="020F0502020204030204" pitchFamily="34" charset="0"/>
+                <a:cs typeface="Calibri" panose="020F0502020204030204" pitchFamily="34" charset="0"/>
+              </a:rPr>
+              <a:t> libraries.</a:t>
+            </a:r>
+          </a:p>
+          <a:p>
+            <a:pPr>
+              <a:buFont typeface="Wingdings" panose="05000000000000000000" pitchFamily="2" charset="2"/>
+              <a:buChar char="q"/>
+            </a:pPr>
+            <a:r>
+              <a:rPr lang="en-IN" sz="2400" dirty="0">
+                <a:latin typeface="Calibri" panose="020F0502020204030204" pitchFamily="34" charset="0"/>
+                <a:ea typeface="Calibri" panose="020F0502020204030204" pitchFamily="34" charset="0"/>
+                <a:cs typeface="Calibri" panose="020F0502020204030204" pitchFamily="34" charset="0"/>
+              </a:rPr>
+              <a:t>For the image I replaced the extension(.</a:t>
+            </a:r>
+            <a:r>
+              <a:rPr lang="en-IN" sz="2400" dirty="0" err="1">
+                <a:latin typeface="Calibri" panose="020F0502020204030204" pitchFamily="34" charset="0"/>
+                <a:ea typeface="Calibri" panose="020F0502020204030204" pitchFamily="34" charset="0"/>
+                <a:cs typeface="Calibri" panose="020F0502020204030204" pitchFamily="34" charset="0"/>
+              </a:rPr>
+              <a:t>png</a:t>
+            </a:r>
+            <a:r>
+              <a:rPr lang="en-IN" sz="2400" dirty="0">
+                <a:latin typeface="Calibri" panose="020F0502020204030204" pitchFamily="34" charset="0"/>
+                <a:ea typeface="Calibri" panose="020F0502020204030204" pitchFamily="34" charset="0"/>
+                <a:cs typeface="Calibri" panose="020F0502020204030204" pitchFamily="34" charset="0"/>
+              </a:rPr>
+              <a:t>) which I was using and faced the image error by (.jpeg) by this way I sort my issues. </a:t>
+            </a:r>
+          </a:p>
+          <a:p>
+            <a:pPr marL="0" indent="0">
+              <a:buNone/>
+            </a:pPr>
+            <a:endParaRPr lang="en-IN" sz="2400" dirty="0">
+              <a:latin typeface="Calibri" panose="020F0502020204030204" pitchFamily="34" charset="0"/>
+              <a:ea typeface="Calibri" panose="020F0502020204030204" pitchFamily="34" charset="0"/>
+              <a:cs typeface="Calibri" panose="020F0502020204030204" pitchFamily="34" charset="0"/>
+            </a:endParaRPr>
+          </a:p>
+        </p:txBody>
+      </p:sp>
+      <p:pic>
+        <p:nvPicPr>
+          <p:cNvPr id="5" name="Picture 4">
+            <a:extLst>
+              <a:ext uri="{FF2B5EF4-FFF2-40B4-BE49-F238E27FC236}">
+                <a16:creationId xmlns:a16="http://schemas.microsoft.com/office/drawing/2014/main" id="{F8E85A9E-E632-8C22-9266-AC3FDEF21326}"/>
+              </a:ext>
+            </a:extLst>
+          </p:cNvPr>
+          <p:cNvPicPr>
+            <a:picLocks noChangeAspect="1"/>
+          </p:cNvPicPr>
+          <p:nvPr/>
+        </p:nvPicPr>
+        <p:blipFill>
+          <a:blip r:embed="rId2"/>
+          <a:stretch>
+            <a:fillRect/>
+          </a:stretch>
+        </p:blipFill>
+        <p:spPr>
+          <a:xfrm>
+            <a:off x="1085262" y="2704972"/>
+            <a:ext cx="8421275" cy="1047878"/>
+          </a:xfrm>
+          <a:prstGeom prst="rect">
+            <a:avLst/>
+          </a:prstGeom>
+        </p:spPr>
+      </p:pic>
     </p:spTree>
     <p:extLst>
       <p:ext uri="{BB962C8B-B14F-4D97-AF65-F5344CB8AC3E}">
@@ -6252,6 +6766,15 @@
 </file>
 
 <file path=customXml/item1.xml><?xml version="1.0" encoding="utf-8"?>
+<?mso-contentType ?>
+<FormTemplates xmlns="http://schemas.microsoft.com/sharepoint/v3/contenttype/forms">
+  <Display>DocumentLibraryForm</Display>
+  <Edit>DocumentLibraryForm</Edit>
+  <New>DocumentLibraryForm</New>
+</FormTemplates>
+</file>
+
+<file path=customXml/item2.xml><?xml version="1.0" encoding="utf-8"?>
 <ct:contentTypeSchema xmlns:ct="http://schemas.microsoft.com/office/2006/metadata/contentType" xmlns:ma="http://schemas.microsoft.com/office/2006/metadata/properties/metaAttributes" ct:_="" ma:_="" ma:contentTypeName="Document" ma:contentTypeID="0x0101007F0268AC5E70984D8FE60B7154176407" ma:contentTypeVersion="15" ma:contentTypeDescription="Create a new document." ma:contentTypeScope="" ma:versionID="104e359103f0f57b1cf9676756e5b944">
   <xsd:schema xmlns:xsd="http://www.w3.org/2001/XMLSchema" xmlns:xs="http://www.w3.org/2001/XMLSchema" xmlns:p="http://schemas.microsoft.com/office/2006/metadata/properties" xmlns:ns3="b30265f8-c5e2-4918-b4a1-b977299ca3e2" xmlns:ns4="fadb41d3-f9cb-40fb-903c-8cacaba95bb5" targetNamespace="http://schemas.microsoft.com/office/2006/metadata/properties" ma:root="true" ma:fieldsID="5615b8f8aa772998bad551f24a33de0e" ns3:_="" ns4:_="">
     <xsd:import namespace="b30265f8-c5e2-4918-b4a1-b977299ca3e2"/>
@@ -6484,15 +7007,6 @@
 </ct:contentTypeSchema>
 </file>
 
-<file path=customXml/item2.xml><?xml version="1.0" encoding="utf-8"?>
-<?mso-contentType ?>
-<FormTemplates xmlns="http://schemas.microsoft.com/sharepoint/v3/contenttype/forms">
-  <Display>DocumentLibraryForm</Display>
-  <Edit>DocumentLibraryForm</Edit>
-  <New>DocumentLibraryForm</New>
-</FormTemplates>
-</file>
-
 <file path=customXml/item3.xml><?xml version="1.0" encoding="utf-8"?>
 <p:properties xmlns:p="http://schemas.microsoft.com/office/2006/metadata/properties" xmlns:xsi="http://www.w3.org/2001/XMLSchema-instance" xmlns:pc="http://schemas.microsoft.com/office/infopath/2007/PartnerControls">
   <documentManagement>
@@ -6502,6 +7016,14 @@
 </file>
 
 <file path=customXml/itemProps1.xml><?xml version="1.0" encoding="utf-8"?>
+<ds:datastoreItem xmlns:ds="http://schemas.openxmlformats.org/officeDocument/2006/customXml" ds:itemID="{927BD4C1-B6B1-4715-ABF9-E660A51A4EA0}">
+  <ds:schemaRefs>
+    <ds:schemaRef ds:uri="http://schemas.microsoft.com/sharepoint/v3/contenttype/forms"/>
+  </ds:schemaRefs>
+</ds:datastoreItem>
+</file>
+
+<file path=customXml/itemProps2.xml><?xml version="1.0" encoding="utf-8"?>
 <ds:datastoreItem xmlns:ds="http://schemas.openxmlformats.org/officeDocument/2006/customXml" ds:itemID="{9DD71778-17EE-4151-88AE-C8F4E8043BD9}">
   <ds:schemaRefs>
     <ds:schemaRef ds:uri="http://schemas.microsoft.com/office/2006/metadata/contentType"/>
@@ -6516,14 +7038,6 @@
     <ds:schemaRef ds:uri="http://purl.org/dc/elements/1.1/"/>
     <ds:schemaRef ds:uri="http://purl.org/dc/terms/"/>
     <ds:schemaRef ds:uri="http://schemas.microsoft.com/internal/obd"/>
-  </ds:schemaRefs>
-</ds:datastoreItem>
-</file>
-
-<file path=customXml/itemProps2.xml><?xml version="1.0" encoding="utf-8"?>
-<ds:datastoreItem xmlns:ds="http://schemas.openxmlformats.org/officeDocument/2006/customXml" ds:itemID="{927BD4C1-B6B1-4715-ABF9-E660A51A4EA0}">
-  <ds:schemaRefs>
-    <ds:schemaRef ds:uri="http://schemas.microsoft.com/sharepoint/v3/contenttype/forms"/>
   </ds:schemaRefs>
 </ds:datastoreItem>
 </file>

--- a/AICTE PPT Template (1).pptx
+++ b/AICTE PPT Template (1).pptx
@@ -218,7 +218,7 @@
           <a:p>
             <a:fld id="{46256A78-79A6-408F-8148-4F87BB81602D}" type="datetimeFigureOut">
               <a:rPr lang="en-IN" smtClean="0"/>
-              <a:t>27-02-2025</a:t>
+              <a:t>07-03-2025</a:t>
             </a:fld>
             <a:endParaRPr lang="en-IN"/>
           </a:p>
@@ -722,7 +722,7 @@
           <a:p>
             <a:fld id="{ED291B17-9318-49DB-B28B-6E5994AE9581}" type="datetime1">
               <a:rPr lang="en-US" smtClean="0"/>
-              <a:t>2/27/2025</a:t>
+              <a:t>3/7/2025</a:t>
             </a:fld>
             <a:endParaRPr lang="en-US"/>
           </a:p>
@@ -931,7 +931,7 @@
           <a:p>
             <a:fld id="{2CED4963-E985-44C4-B8C4-FDD613B7C2F8}" type="datetime1">
               <a:rPr lang="en-US" smtClean="0"/>
-              <a:t>2/27/2025</a:t>
+              <a:t>3/7/2025</a:t>
             </a:fld>
             <a:endParaRPr lang="en-US"/>
           </a:p>
@@ -1299,7 +1299,7 @@
           <a:p>
             <a:fld id="{ED291B17-9318-49DB-B28B-6E5994AE9581}" type="datetime1">
               <a:rPr lang="en-US" smtClean="0"/>
-              <a:t>2/27/2025</a:t>
+              <a:t>3/7/2025</a:t>
             </a:fld>
             <a:endParaRPr lang="en-US"/>
           </a:p>
@@ -1503,7 +1503,7 @@
           <a:p>
             <a:fld id="{78DD82B9-B8EE-4375-B6FF-88FA6ABB15D9}" type="datetime1">
               <a:rPr lang="en-US" smtClean="0"/>
-              <a:t>2/27/2025</a:t>
+              <a:t>3/7/2025</a:t>
             </a:fld>
             <a:endParaRPr lang="en-US"/>
           </a:p>
@@ -1760,7 +1760,7 @@
           <a:p>
             <a:fld id="{B2497495-0637-405E-AE64-5CC7506D51F5}" type="datetime1">
               <a:rPr lang="en-US" smtClean="0"/>
-              <a:t>2/27/2025</a:t>
+              <a:t>3/7/2025</a:t>
             </a:fld>
             <a:endParaRPr lang="en-US"/>
           </a:p>
@@ -2018,7 +2018,7 @@
           <a:p>
             <a:fld id="{7BFFD690-9426-415D-8B65-26881E07B2D4}" type="datetime1">
               <a:rPr lang="en-US" smtClean="0"/>
-              <a:t>2/27/2025</a:t>
+              <a:t>3/7/2025</a:t>
             </a:fld>
             <a:endParaRPr lang="en-US"/>
           </a:p>
@@ -2445,7 +2445,7 @@
           <a:p>
             <a:fld id="{04C4989A-474C-40DE-95B9-011C28B71673}" type="datetime1">
               <a:rPr lang="en-US" smtClean="0"/>
-              <a:t>2/27/2025</a:t>
+              <a:t>3/7/2025</a:t>
             </a:fld>
             <a:endParaRPr lang="en-US"/>
           </a:p>
@@ -2575,7 +2575,7 @@
           <a:p>
             <a:fld id="{5DB4ED54-5B5E-4A04-93D3-5772E3CE3818}" type="datetime1">
               <a:rPr lang="en-US" smtClean="0"/>
-              <a:t>2/27/2025</a:t>
+              <a:t>3/7/2025</a:t>
             </a:fld>
             <a:endParaRPr lang="en-US"/>
           </a:p>
@@ -2678,7 +2678,7 @@
           <a:p>
             <a:fld id="{4EDE50D6-574B-40AF-946F-D52A04ADE379}" type="datetime1">
               <a:rPr lang="en-US" smtClean="0"/>
-              <a:t>2/27/2025</a:t>
+              <a:t>3/7/2025</a:t>
             </a:fld>
             <a:endParaRPr lang="en-US"/>
           </a:p>
@@ -3061,7 +3061,7 @@
           <a:p>
             <a:fld id="{D82884F1-FFEA-405F-9602-3DCA865EDA4E}" type="datetime1">
               <a:rPr lang="en-US" smtClean="0"/>
-              <a:t>2/27/2025</a:t>
+              <a:t>3/7/2025</a:t>
             </a:fld>
             <a:endParaRPr lang="en-US"/>
           </a:p>
@@ -3355,7 +3355,7 @@
           <a:p>
             <a:fld id="{7E18DB4A-8810-4A10-AD5C-D5E2C667F5B3}" type="datetime1">
               <a:rPr lang="en-US" smtClean="0"/>
-              <a:t>2/27/2025</a:t>
+              <a:t>3/7/2025</a:t>
             </a:fld>
             <a:endParaRPr lang="en-US"/>
           </a:p>
@@ -3576,7 +3576,7 @@
           <a:p>
             <a:fld id="{ED291B17-9318-49DB-B28B-6E5994AE9581}" type="datetime1">
               <a:rPr lang="en-US" smtClean="0"/>
-              <a:t>2/27/2025</a:t>
+              <a:t>3/7/2025</a:t>
             </a:fld>
             <a:endParaRPr lang="en-US"/>
           </a:p>
@@ -4404,19 +4404,29 @@
         </p:nvSpPr>
         <p:spPr/>
         <p:txBody>
-          <a:bodyPr/>
+          <a:bodyPr>
+            <a:normAutofit/>
+          </a:bodyPr>
           <a:lstStyle/>
           <a:p>
             <a:pPr marL="305435" indent="-305435"/>
             <a:r>
-              <a:rPr lang="en-US" dirty="0"/>
+              <a:rPr lang="en-US" sz="2400" dirty="0">
+                <a:latin typeface="Calibri" panose="020F0502020204030204" pitchFamily="34" charset="0"/>
+                <a:ea typeface="Calibri" panose="020F0502020204030204" pitchFamily="34" charset="0"/>
+                <a:cs typeface="Calibri" panose="020F0502020204030204" pitchFamily="34" charset="0"/>
+              </a:rPr>
               <a:t>Though our project is able to reach highly accepted results and is able to hide data very efficiently, it can definitely be improved in some areas.</a:t>
             </a:r>
           </a:p>
           <a:p>
             <a:pPr marL="305435" indent="-305435"/>
             <a:r>
-              <a:rPr lang="en-US" dirty="0"/>
+              <a:rPr lang="en-US" sz="2400" dirty="0">
+                <a:latin typeface="Calibri" panose="020F0502020204030204" pitchFamily="34" charset="0"/>
+                <a:ea typeface="Calibri" panose="020F0502020204030204" pitchFamily="34" charset="0"/>
+                <a:cs typeface="Calibri" panose="020F0502020204030204" pitchFamily="34" charset="0"/>
+              </a:rPr>
               <a:t>To make the communication more secured and impossible to hack, various existing ciphers can be implemented with the steganography algorithms.</a:t>
             </a:r>
           </a:p>
@@ -5780,7 +5790,7 @@
         </p:nvSpPr>
         <p:spPr>
           <a:xfrm>
-            <a:off x="6930690" y="1525782"/>
+            <a:off x="6930690" y="1373382"/>
             <a:ext cx="2156160" cy="646331"/>
           </a:xfrm>
           <a:prstGeom prst="rect">
@@ -5816,7 +5826,7 @@
         </p:nvSpPr>
         <p:spPr>
           <a:xfrm>
-            <a:off x="9410700" y="1525782"/>
+            <a:off x="9410700" y="1373382"/>
             <a:ext cx="2156160" cy="646331"/>
           </a:xfrm>
           <a:prstGeom prst="rect">
@@ -6766,15 +6776,6 @@
 </file>
 
 <file path=customXml/item1.xml><?xml version="1.0" encoding="utf-8"?>
-<?mso-contentType ?>
-<FormTemplates xmlns="http://schemas.microsoft.com/sharepoint/v3/contenttype/forms">
-  <Display>DocumentLibraryForm</Display>
-  <Edit>DocumentLibraryForm</Edit>
-  <New>DocumentLibraryForm</New>
-</FormTemplates>
-</file>
-
-<file path=customXml/item2.xml><?xml version="1.0" encoding="utf-8"?>
 <ct:contentTypeSchema xmlns:ct="http://schemas.microsoft.com/office/2006/metadata/contentType" xmlns:ma="http://schemas.microsoft.com/office/2006/metadata/properties/metaAttributes" ct:_="" ma:_="" ma:contentTypeName="Document" ma:contentTypeID="0x0101007F0268AC5E70984D8FE60B7154176407" ma:contentTypeVersion="15" ma:contentTypeDescription="Create a new document." ma:contentTypeScope="" ma:versionID="104e359103f0f57b1cf9676756e5b944">
   <xsd:schema xmlns:xsd="http://www.w3.org/2001/XMLSchema" xmlns:xs="http://www.w3.org/2001/XMLSchema" xmlns:p="http://schemas.microsoft.com/office/2006/metadata/properties" xmlns:ns3="b30265f8-c5e2-4918-b4a1-b977299ca3e2" xmlns:ns4="fadb41d3-f9cb-40fb-903c-8cacaba95bb5" targetNamespace="http://schemas.microsoft.com/office/2006/metadata/properties" ma:root="true" ma:fieldsID="5615b8f8aa772998bad551f24a33de0e" ns3:_="" ns4:_="">
     <xsd:import namespace="b30265f8-c5e2-4918-b4a1-b977299ca3e2"/>
@@ -7007,6 +7008,15 @@
 </ct:contentTypeSchema>
 </file>
 
+<file path=customXml/item2.xml><?xml version="1.0" encoding="utf-8"?>
+<?mso-contentType ?>
+<FormTemplates xmlns="http://schemas.microsoft.com/sharepoint/v3/contenttype/forms">
+  <Display>DocumentLibraryForm</Display>
+  <Edit>DocumentLibraryForm</Edit>
+  <New>DocumentLibraryForm</New>
+</FormTemplates>
+</file>
+
 <file path=customXml/item3.xml><?xml version="1.0" encoding="utf-8"?>
 <p:properties xmlns:p="http://schemas.microsoft.com/office/2006/metadata/properties" xmlns:xsi="http://www.w3.org/2001/XMLSchema-instance" xmlns:pc="http://schemas.microsoft.com/office/infopath/2007/PartnerControls">
   <documentManagement>
@@ -7016,14 +7026,6 @@
 </file>
 
 <file path=customXml/itemProps1.xml><?xml version="1.0" encoding="utf-8"?>
-<ds:datastoreItem xmlns:ds="http://schemas.openxmlformats.org/officeDocument/2006/customXml" ds:itemID="{927BD4C1-B6B1-4715-ABF9-E660A51A4EA0}">
-  <ds:schemaRefs>
-    <ds:schemaRef ds:uri="http://schemas.microsoft.com/sharepoint/v3/contenttype/forms"/>
-  </ds:schemaRefs>
-</ds:datastoreItem>
-</file>
-
-<file path=customXml/itemProps2.xml><?xml version="1.0" encoding="utf-8"?>
 <ds:datastoreItem xmlns:ds="http://schemas.openxmlformats.org/officeDocument/2006/customXml" ds:itemID="{9DD71778-17EE-4151-88AE-C8F4E8043BD9}">
   <ds:schemaRefs>
     <ds:schemaRef ds:uri="http://schemas.microsoft.com/office/2006/metadata/contentType"/>
@@ -7038,6 +7040,14 @@
     <ds:schemaRef ds:uri="http://purl.org/dc/elements/1.1/"/>
     <ds:schemaRef ds:uri="http://purl.org/dc/terms/"/>
     <ds:schemaRef ds:uri="http://schemas.microsoft.com/internal/obd"/>
+  </ds:schemaRefs>
+</ds:datastoreItem>
+</file>
+
+<file path=customXml/itemProps2.xml><?xml version="1.0" encoding="utf-8"?>
+<ds:datastoreItem xmlns:ds="http://schemas.openxmlformats.org/officeDocument/2006/customXml" ds:itemID="{927BD4C1-B6B1-4715-ABF9-E660A51A4EA0}">
+  <ds:schemaRefs>
+    <ds:schemaRef ds:uri="http://schemas.microsoft.com/sharepoint/v3/contenttype/forms"/>
   </ds:schemaRefs>
 </ds:datastoreItem>
 </file>
